--- a/8. Logging & Debugging/Logging & Debugging.pptx
+++ b/8. Logging & Debugging/Logging & Debugging.pptx
@@ -67,7 +67,7 @@
         <p:txBody>
           <a:bodyPr/>
           <a:p>
-            <a:fld id="{96E07163-A4EB-4344-AA12-0BF0BB2D9AAB}" type="slidenum">
+            <a:fld id="{30F574F7-7FA1-4CE9-B885-D0E6B7989CCD}" type="slidenum">
               <a:t>&lt;#&gt;</a:t>
             </a:fld>
           </a:p>
@@ -276,7 +276,7 @@
         <p:txBody>
           <a:bodyPr/>
           <a:p>
-            <a:fld id="{0AE7AD3B-4ADC-48BE-8706-9FE107CBCC97}" type="slidenum">
+            <a:fld id="{475847EC-9148-4C25-A550-5AF9D1969C2D}" type="slidenum">
               <a:t>&lt;#&gt;</a:t>
             </a:fld>
           </a:p>
@@ -571,7 +571,7 @@
         <p:txBody>
           <a:bodyPr/>
           <a:p>
-            <a:fld id="{7FD62E2F-E49C-4AAC-98DA-47EADE12853E}" type="slidenum">
+            <a:fld id="{539C7422-BF05-4307-ACFB-D9DCF46574A7}" type="slidenum">
               <a:t>&lt;#&gt;</a:t>
             </a:fld>
           </a:p>
@@ -952,7 +952,7 @@
         <p:txBody>
           <a:bodyPr/>
           <a:p>
-            <a:fld id="{D6893217-B6E2-4A7A-A80E-3EB759156F77}" type="slidenum">
+            <a:fld id="{36276B62-96F7-4BC9-A7E8-DC83674DF65D}" type="slidenum">
               <a:t>&lt;#&gt;</a:t>
             </a:fld>
           </a:p>
@@ -1035,7 +1035,7 @@
         <p:txBody>
           <a:bodyPr/>
           <a:p>
-            <a:fld id="{E2608809-B39D-443A-8307-72B5F7F91D67}" type="slidenum">
+            <a:fld id="{99860370-5981-4F07-AF78-67FF9A6C8846}" type="slidenum">
               <a:t>&lt;#&gt;</a:t>
             </a:fld>
           </a:p>
@@ -1198,7 +1198,7 @@
         <p:txBody>
           <a:bodyPr/>
           <a:p>
-            <a:fld id="{F7770516-50BE-4C3E-A181-2ABCEE32A866}" type="slidenum">
+            <a:fld id="{E6EBA630-CF71-4C61-BEE7-EC4A83BC0BA1}" type="slidenum">
               <a:t>&lt;#&gt;</a:t>
             </a:fld>
           </a:p>
@@ -1364,7 +1364,7 @@
         <p:txBody>
           <a:bodyPr/>
           <a:p>
-            <a:fld id="{29B0B2DD-22F9-480F-AFF9-1BC3E680715D}" type="slidenum">
+            <a:fld id="{35307EB9-9FF0-4360-8A94-24A4AC21731C}" type="slidenum">
               <a:t>&lt;#&gt;</a:t>
             </a:fld>
           </a:p>
@@ -1573,7 +1573,7 @@
         <p:txBody>
           <a:bodyPr/>
           <a:p>
-            <a:fld id="{9E88D4CA-42AA-4191-9793-2A7A27DF77EC}" type="slidenum">
+            <a:fld id="{00286A20-6341-4EAE-AE11-08BDB926F83B}" type="slidenum">
               <a:t>&lt;#&gt;</a:t>
             </a:fld>
           </a:p>
@@ -1696,7 +1696,7 @@
         <p:txBody>
           <a:bodyPr/>
           <a:p>
-            <a:fld id="{B8F2EE8D-0BB8-4108-AFD2-7630F038A770}" type="slidenum">
+            <a:fld id="{E4D71026-C84C-4D3B-A14D-2593AD7FB197}" type="slidenum">
               <a:t>&lt;#&gt;</a:t>
             </a:fld>
           </a:p>
@@ -1817,7 +1817,7 @@
         <p:txBody>
           <a:bodyPr/>
           <a:p>
-            <a:fld id="{00C55EE9-FD3C-4BD5-B98F-5EE202E346E1}" type="slidenum">
+            <a:fld id="{E93174E9-E5A5-4092-B0EE-396B7258497A}" type="slidenum">
               <a:t>&lt;#&gt;</a:t>
             </a:fld>
           </a:p>
@@ -2069,7 +2069,7 @@
         <p:txBody>
           <a:bodyPr/>
           <a:p>
-            <a:fld id="{4EE80BA7-1A91-4B32-A334-68685643F201}" type="slidenum">
+            <a:fld id="{39EDC00D-5DAE-4F7A-BC2B-A377B7E163CE}" type="slidenum">
               <a:t>&lt;#&gt;</a:t>
             </a:fld>
           </a:p>
@@ -2232,7 +2232,7 @@
         <p:txBody>
           <a:bodyPr/>
           <a:p>
-            <a:fld id="{EAD09A79-FA79-401F-B046-60AE2D9AF7B5}" type="slidenum">
+            <a:fld id="{AD92C4E6-2FAA-41DE-B3CE-9227F2455507}" type="slidenum">
               <a:t>&lt;#&gt;</a:t>
             </a:fld>
           </a:p>
@@ -2484,7 +2484,7 @@
         <p:txBody>
           <a:bodyPr/>
           <a:p>
-            <a:fld id="{2864C559-CFE0-4809-8BCB-7531747F5877}" type="slidenum">
+            <a:fld id="{47F25E48-5A28-4845-8E60-73FAD5D68D7C}" type="slidenum">
               <a:t>&lt;#&gt;</a:t>
             </a:fld>
           </a:p>
@@ -2736,7 +2736,7 @@
         <p:txBody>
           <a:bodyPr/>
           <a:p>
-            <a:fld id="{E5F7758A-E433-4080-997E-89A3B63F4A74}" type="slidenum">
+            <a:fld id="{9111B763-31AF-476D-AC3C-4DCB94BC6A4D}" type="slidenum">
               <a:t>&lt;#&gt;</a:t>
             </a:fld>
           </a:p>
@@ -2945,7 +2945,7 @@
         <p:txBody>
           <a:bodyPr/>
           <a:p>
-            <a:fld id="{CF1DB1E7-0800-4856-BF1B-E4C40528FF72}" type="slidenum">
+            <a:fld id="{8A05A860-CE9F-4FBE-BA9D-02C559DB9A74}" type="slidenum">
               <a:t>&lt;#&gt;</a:t>
             </a:fld>
           </a:p>
@@ -3240,7 +3240,7 @@
         <p:txBody>
           <a:bodyPr/>
           <a:p>
-            <a:fld id="{7DE87797-368F-483D-A4EA-9F7186140FEA}" type="slidenum">
+            <a:fld id="{FB49FED5-2DDC-4031-92B9-E5D308327E82}" type="slidenum">
               <a:t>&lt;#&gt;</a:t>
             </a:fld>
           </a:p>
@@ -3621,7 +3621,7 @@
         <p:txBody>
           <a:bodyPr/>
           <a:p>
-            <a:fld id="{23F78CD8-483F-43E3-88B9-A8B1D090E6A4}" type="slidenum">
+            <a:fld id="{11C4D618-1E1B-471E-A50A-4C60A510F49B}" type="slidenum">
               <a:t>&lt;#&gt;</a:t>
             </a:fld>
           </a:p>
@@ -3787,7 +3787,7 @@
         <p:txBody>
           <a:bodyPr/>
           <a:p>
-            <a:fld id="{3617DB64-AB6E-4A92-8AB0-60A78E5455DF}" type="slidenum">
+            <a:fld id="{67B66228-73F7-4C68-A2AC-D9CD66699C0A}" type="slidenum">
               <a:t>&lt;#&gt;</a:t>
             </a:fld>
           </a:p>
@@ -3996,7 +3996,7 @@
         <p:txBody>
           <a:bodyPr/>
           <a:p>
-            <a:fld id="{B96BAAAA-B2F4-4322-A4B8-267608534165}" type="slidenum">
+            <a:fld id="{CDD80353-2238-4587-B2C5-36E01A017D93}" type="slidenum">
               <a:t>&lt;#&gt;</a:t>
             </a:fld>
           </a:p>
@@ -4119,7 +4119,7 @@
         <p:txBody>
           <a:bodyPr/>
           <a:p>
-            <a:fld id="{A1ADFBD5-79FC-480F-83C6-93661B93AC94}" type="slidenum">
+            <a:fld id="{EAE7173C-A1EE-4D11-B934-36C40B264B8A}" type="slidenum">
               <a:t>&lt;#&gt;</a:t>
             </a:fld>
           </a:p>
@@ -4240,7 +4240,7 @@
         <p:txBody>
           <a:bodyPr/>
           <a:p>
-            <a:fld id="{74C3DDDE-7068-4C8E-89D1-70E56A20B774}" type="slidenum">
+            <a:fld id="{57797D66-3CB2-4F1B-A1F1-63340A8036EA}" type="slidenum">
               <a:t>&lt;#&gt;</a:t>
             </a:fld>
           </a:p>
@@ -4492,7 +4492,7 @@
         <p:txBody>
           <a:bodyPr/>
           <a:p>
-            <a:fld id="{8E263179-F3E6-4F45-9B8B-937A68AA0D4E}" type="slidenum">
+            <a:fld id="{019779C0-8543-406F-828D-5375A277ACBF}" type="slidenum">
               <a:t>&lt;#&gt;</a:t>
             </a:fld>
           </a:p>
@@ -4744,7 +4744,7 @@
         <p:txBody>
           <a:bodyPr/>
           <a:p>
-            <a:fld id="{EC568C17-30B2-4F64-A16B-31C60A7B0DA5}" type="slidenum">
+            <a:fld id="{5FD9E61B-7CE1-4C63-989F-8FB2BCA9D57E}" type="slidenum">
               <a:t>&lt;#&gt;</a:t>
             </a:fld>
           </a:p>
@@ -4996,7 +4996,7 @@
         <p:txBody>
           <a:bodyPr/>
           <a:p>
-            <a:fld id="{1345B059-C742-4232-B5A0-623E622E3DDC}" type="slidenum">
+            <a:fld id="{C618DE32-90F4-4F8F-A434-CD1088D29925}" type="slidenum">
               <a:t>&lt;#&gt;</a:t>
             </a:fld>
           </a:p>
@@ -5061,7 +5061,7 @@
         <p:spPr>
           <a:xfrm>
             <a:off x="446400" y="457200"/>
-            <a:ext cx="3699360" cy="91080"/>
+            <a:ext cx="3699000" cy="90720"/>
           </a:xfrm>
           <a:prstGeom prst="rect">
             <a:avLst/>
@@ -5121,7 +5121,7 @@
         <p:spPr>
           <a:xfrm>
             <a:off x="8042040" y="453600"/>
-            <a:ext cx="3699360" cy="94680"/>
+            <a:ext cx="3699000" cy="94320"/>
           </a:xfrm>
           <a:prstGeom prst="rect">
             <a:avLst/>
@@ -5181,7 +5181,7 @@
         <p:spPr>
           <a:xfrm>
             <a:off x="4241880" y="457200"/>
-            <a:ext cx="3699360" cy="87480"/>
+            <a:ext cx="3699000" cy="87120"/>
           </a:xfrm>
           <a:prstGeom prst="rect">
             <a:avLst/>
@@ -5241,7 +5241,7 @@
         <p:spPr>
           <a:xfrm>
             <a:off x="446400" y="3085920"/>
-            <a:ext cx="11259000" cy="3300840"/>
+            <a:ext cx="11258640" cy="3300480"/>
           </a:xfrm>
           <a:prstGeom prst="rect">
             <a:avLst/>
@@ -5305,7 +5305,7 @@
         <p:spPr>
           <a:xfrm>
             <a:off x="581040" y="5951880"/>
-            <a:ext cx="6913080" cy="361080"/>
+            <a:ext cx="6912720" cy="360720"/>
           </a:xfrm>
           <a:prstGeom prst="rect">
             <a:avLst/>
@@ -5377,7 +5377,7 @@
         <p:spPr>
           <a:xfrm>
             <a:off x="10558440" y="5956200"/>
-            <a:ext cx="1012320" cy="361080"/>
+            <a:ext cx="1011960" cy="360720"/>
           </a:xfrm>
           <a:prstGeom prst="rect">
             <a:avLst/>
@@ -5421,7 +5421,7 @@
                 <a:tab algn="l" pos="0"/>
               </a:tabLst>
             </a:pPr>
-            <a:fld id="{6BF7322E-3C73-4F93-BBD9-6EF7E27F0459}" type="slidenum">
+            <a:fld id="{C6AAE6CA-C394-484B-AAD1-A2F9485A52E1}" type="slidenum">
               <a:rPr b="0" lang="en-IN" sz="900" spc="-1" strike="noStrike">
                 <a:solidFill>
                   <a:schemeClr val="accent1">
@@ -5455,7 +5455,7 @@
         <p:spPr>
           <a:xfrm>
             <a:off x="7606080" y="5956200"/>
-            <a:ext cx="2840760" cy="361080"/>
+            <a:ext cx="2840400" cy="360720"/>
           </a:xfrm>
           <a:prstGeom prst="rect">
             <a:avLst/>
@@ -5829,7 +5829,7 @@
         <p:spPr>
           <a:xfrm>
             <a:off x="446400" y="457200"/>
-            <a:ext cx="3699360" cy="91080"/>
+            <a:ext cx="3699000" cy="90720"/>
           </a:xfrm>
           <a:prstGeom prst="rect">
             <a:avLst/>
@@ -5889,7 +5889,7 @@
         <p:spPr>
           <a:xfrm>
             <a:off x="8042040" y="453600"/>
-            <a:ext cx="3699360" cy="94680"/>
+            <a:ext cx="3699000" cy="94320"/>
           </a:xfrm>
           <a:prstGeom prst="rect">
             <a:avLst/>
@@ -5949,7 +5949,7 @@
         <p:spPr>
           <a:xfrm>
             <a:off x="4241880" y="457200"/>
-            <a:ext cx="3699360" cy="87480"/>
+            <a:ext cx="3699000" cy="87120"/>
           </a:xfrm>
           <a:prstGeom prst="rect">
             <a:avLst/>
@@ -6009,7 +6009,7 @@
         <p:spPr>
           <a:xfrm>
             <a:off x="440280" y="614520"/>
-            <a:ext cx="11305440" cy="1185480"/>
+            <a:ext cx="11305080" cy="1185120"/>
           </a:xfrm>
           <a:prstGeom prst="rect">
             <a:avLst/>
@@ -6073,7 +6073,7 @@
         <p:spPr>
           <a:xfrm>
             <a:off x="581040" y="5951880"/>
-            <a:ext cx="6913080" cy="361080"/>
+            <a:ext cx="6912720" cy="360720"/>
           </a:xfrm>
           <a:prstGeom prst="rect">
             <a:avLst/>
@@ -6145,7 +6145,7 @@
         <p:spPr>
           <a:xfrm>
             <a:off x="10558440" y="5956200"/>
-            <a:ext cx="1048680" cy="361080"/>
+            <a:ext cx="1048320" cy="360720"/>
           </a:xfrm>
           <a:prstGeom prst="rect">
             <a:avLst/>
@@ -6186,7 +6186,7 @@
                 <a:tab algn="l" pos="0"/>
               </a:tabLst>
             </a:pPr>
-            <a:fld id="{7C4879F6-05E8-49C7-A76E-7BD10F25EE94}" type="slidenum">
+            <a:fld id="{256FB9F4-226E-4B3D-B59C-4BC9963C02CC}" type="slidenum">
               <a:rPr b="0" lang="en-IN" sz="900" spc="-1" strike="noStrike">
                 <a:solidFill>
                   <a:schemeClr val="accent2"/>
@@ -6217,7 +6217,7 @@
         <p:spPr>
           <a:xfrm>
             <a:off x="7606080" y="5956200"/>
-            <a:ext cx="2840760" cy="361080"/>
+            <a:ext cx="2840400" cy="360720"/>
           </a:xfrm>
           <a:prstGeom prst="rect">
             <a:avLst/>
@@ -6588,7 +6588,7 @@
         <p:spPr>
           <a:xfrm>
             <a:off x="581040" y="525240"/>
-            <a:ext cx="10989720" cy="1470960"/>
+            <a:ext cx="10989360" cy="1470600"/>
           </a:xfrm>
           <a:prstGeom prst="rect">
             <a:avLst/>
@@ -6643,7 +6643,7 @@
         <p:spPr>
           <a:xfrm>
             <a:off x="581040" y="2495520"/>
-            <a:ext cx="10989720" cy="586440"/>
+            <a:ext cx="10989360" cy="586080"/>
           </a:xfrm>
           <a:prstGeom prst="rect">
             <a:avLst/>
@@ -6730,7 +6730,7 @@
         <p:spPr>
           <a:xfrm>
             <a:off x="581400" y="702360"/>
-            <a:ext cx="11025720" cy="1009800"/>
+            <a:ext cx="11025360" cy="1009440"/>
           </a:xfrm>
           <a:prstGeom prst="rect">
             <a:avLst/>
@@ -6781,27 +6781,38 @@
       <p:sp>
         <p:nvSpPr>
           <p:cNvPr id="93" name=""/>
-          <p:cNvSpPr txBox="1"/>
+          <p:cNvSpPr/>
           <p:nvPr/>
         </p:nvSpPr>
         <p:spPr>
           <a:xfrm>
             <a:off x="685800" y="1958760"/>
-            <a:ext cx="10627920" cy="4442040"/>
-          </a:xfrm>
-          <a:prstGeom prst="rect">
-            <a:avLst/>
-          </a:prstGeom>
-          <a:noFill/>
-          <a:ln w="0">
-            <a:noFill/>
-          </a:ln>
-        </p:spPr>
+            <a:ext cx="10627560" cy="4441680"/>
+          </a:xfrm>
+          <a:prstGeom prst="rect">
+            <a:avLst/>
+          </a:prstGeom>
+          <a:noFill/>
+          <a:ln w="0">
+            <a:noFill/>
+          </a:ln>
+        </p:spPr>
+        <p:style>
+          <a:lnRef idx="0"/>
+          <a:fillRef idx="0"/>
+          <a:effectRef idx="0"/>
+          <a:fontRef idx="minor"/>
+        </p:style>
         <p:txBody>
           <a:bodyPr lIns="90000" rIns="90000" tIns="45000" bIns="45000" anchor="t">
             <a:noAutofit/>
           </a:bodyPr>
           <a:p>
+            <a:pPr>
+              <a:lnSpc>
+                <a:spcPct val="100000"/>
+              </a:lnSpc>
+            </a:pPr>
             <a:r>
               <a:rPr b="0" lang="en-US" sz="1800" spc="-1" strike="noStrike">
                 <a:solidFill>
@@ -6819,6 +6830,11 @@
             </a:endParaRPr>
           </a:p>
           <a:p>
+            <a:pPr>
+              <a:lnSpc>
+                <a:spcPct val="100000"/>
+              </a:lnSpc>
+            </a:pPr>
             <a:endParaRPr b="0" lang="en-US" sz="1800" spc="-1" strike="noStrike">
               <a:solidFill>
                 <a:srgbClr val="000000"/>
@@ -6827,6 +6843,11 @@
             </a:endParaRPr>
           </a:p>
           <a:p>
+            <a:pPr>
+              <a:lnSpc>
+                <a:spcPct val="100000"/>
+              </a:lnSpc>
+            </a:pPr>
             <a:r>
               <a:rPr b="0" lang="en-US" sz="1800" spc="-1" strike="noStrike">
                 <a:solidFill>
@@ -6844,6 +6865,11 @@
             </a:endParaRPr>
           </a:p>
           <a:p>
+            <a:pPr>
+              <a:lnSpc>
+                <a:spcPct val="100000"/>
+              </a:lnSpc>
+            </a:pPr>
             <a:endParaRPr b="0" lang="en-US" sz="1800" spc="-1" strike="noStrike">
               <a:solidFill>
                 <a:srgbClr val="000000"/>
@@ -6852,6 +6878,11 @@
             </a:endParaRPr>
           </a:p>
           <a:p>
+            <a:pPr>
+              <a:lnSpc>
+                <a:spcPct val="100000"/>
+              </a:lnSpc>
+            </a:pPr>
             <a:r>
               <a:rPr b="0" lang="en-US" sz="1800" spc="-1" strike="noStrike">
                 <a:solidFill>
@@ -6869,6 +6900,11 @@
             </a:endParaRPr>
           </a:p>
           <a:p>
+            <a:pPr>
+              <a:lnSpc>
+                <a:spcPct val="100000"/>
+              </a:lnSpc>
+            </a:pPr>
             <a:endParaRPr b="0" lang="en-US" sz="1800" spc="-1" strike="noStrike">
               <a:solidFill>
                 <a:srgbClr val="000000"/>
@@ -6877,6 +6913,11 @@
             </a:endParaRPr>
           </a:p>
           <a:p>
+            <a:pPr>
+              <a:lnSpc>
+                <a:spcPct val="100000"/>
+              </a:lnSpc>
+            </a:pPr>
             <a:r>
               <a:rPr b="0" lang="en-US" sz="1800" spc="-1" strike="noStrike">
                 <a:solidFill>
@@ -6894,6 +6935,11 @@
             </a:endParaRPr>
           </a:p>
           <a:p>
+            <a:pPr>
+              <a:lnSpc>
+                <a:spcPct val="100000"/>
+              </a:lnSpc>
+            </a:pPr>
             <a:endParaRPr b="0" lang="en-US" sz="1800" spc="-1" strike="noStrike">
               <a:solidFill>
                 <a:srgbClr val="000000"/>
@@ -6902,6 +6948,11 @@
             </a:endParaRPr>
           </a:p>
           <a:p>
+            <a:pPr>
+              <a:lnSpc>
+                <a:spcPct val="100000"/>
+              </a:lnSpc>
+            </a:pPr>
             <a:r>
               <a:rPr b="0" lang="en-US" sz="1800" spc="-1" strike="noStrike">
                 <a:solidFill>
@@ -6919,6 +6970,11 @@
             </a:endParaRPr>
           </a:p>
           <a:p>
+            <a:pPr>
+              <a:lnSpc>
+                <a:spcPct val="100000"/>
+              </a:lnSpc>
+            </a:pPr>
             <a:endParaRPr b="0" lang="en-US" sz="1800" spc="-1" strike="noStrike">
               <a:solidFill>
                 <a:srgbClr val="000000"/>
@@ -6927,6 +6983,11 @@
             </a:endParaRPr>
           </a:p>
           <a:p>
+            <a:pPr>
+              <a:lnSpc>
+                <a:spcPct val="100000"/>
+              </a:lnSpc>
+            </a:pPr>
             <a:endParaRPr b="0" lang="en-US" sz="1800" spc="-1" strike="noStrike">
               <a:solidFill>
                 <a:srgbClr val="000000"/>
@@ -6935,6 +6996,11 @@
             </a:endParaRPr>
           </a:p>
           <a:p>
+            <a:pPr>
+              <a:lnSpc>
+                <a:spcPct val="100000"/>
+              </a:lnSpc>
+            </a:pPr>
             <a:r>
               <a:rPr b="0" lang="en-US" sz="1800" spc="-1" strike="noStrike">
                 <a:solidFill>
@@ -6952,6 +7018,11 @@
             </a:endParaRPr>
           </a:p>
           <a:p>
+            <a:pPr>
+              <a:lnSpc>
+                <a:spcPct val="100000"/>
+              </a:lnSpc>
+            </a:pPr>
             <a:r>
               <a:rPr b="0" lang="en-US" sz="1800" spc="-1" strike="noStrike">
                 <a:solidFill>
@@ -6969,6 +7040,11 @@
             </a:endParaRPr>
           </a:p>
           <a:p>
+            <a:pPr>
+              <a:lnSpc>
+                <a:spcPct val="100000"/>
+              </a:lnSpc>
+            </a:pPr>
             <a:r>
               <a:rPr b="0" lang="en-US" sz="1800" spc="-1" strike="noStrike">
                 <a:solidFill>
@@ -6986,6 +7062,11 @@
             </a:endParaRPr>
           </a:p>
           <a:p>
+            <a:pPr>
+              <a:lnSpc>
+                <a:spcPct val="100000"/>
+              </a:lnSpc>
+            </a:pPr>
             <a:r>
               <a:rPr b="0" lang="en-US" sz="1800" spc="-1" strike="noStrike">
                 <a:solidFill>
@@ -7003,6 +7084,11 @@
             </a:endParaRPr>
           </a:p>
           <a:p>
+            <a:pPr>
+              <a:lnSpc>
+                <a:spcPct val="100000"/>
+              </a:lnSpc>
+            </a:pPr>
             <a:r>
               <a:rPr b="0" lang="en-US" sz="1800" spc="-1" strike="noStrike">
                 <a:solidFill>
@@ -7020,6 +7106,11 @@
             </a:endParaRPr>
           </a:p>
           <a:p>
+            <a:pPr>
+              <a:lnSpc>
+                <a:spcPct val="100000"/>
+              </a:lnSpc>
+            </a:pPr>
             <a:r>
               <a:rPr b="0" lang="en-US" sz="1800" spc="-1" strike="noStrike">
                 <a:solidFill>
@@ -7077,7 +7168,7 @@
         <p:spPr>
           <a:xfrm>
             <a:off x="581400" y="702360"/>
-            <a:ext cx="11025720" cy="1009800"/>
+            <a:ext cx="11025360" cy="1009440"/>
           </a:xfrm>
           <a:prstGeom prst="rect">
             <a:avLst/>
@@ -7114,9 +7205,51 @@
                 <a:latin typeface="Gill Sans MT"/>
                 <a:ea typeface="DejaVu Sans"/>
               </a:rPr>
-              <a:t>datatype</a:t>
+              <a:t>Logging link</a:t>
             </a:r>
             <a:endParaRPr b="0" lang="en-US" sz="2800" spc="-1" strike="noStrike">
+              <a:solidFill>
+                <a:srgbClr val="000000"/>
+              </a:solidFill>
+              <a:latin typeface="Arial"/>
+            </a:endParaRPr>
+          </a:p>
+        </p:txBody>
+      </p:sp>
+      <p:sp>
+        <p:nvSpPr>
+          <p:cNvPr id="95" name=""/>
+          <p:cNvSpPr txBox="1"/>
+          <p:nvPr/>
+        </p:nvSpPr>
+        <p:spPr>
+          <a:xfrm>
+            <a:off x="3851280" y="3297960"/>
+            <a:ext cx="4658400" cy="346680"/>
+          </a:xfrm>
+          <a:prstGeom prst="rect">
+            <a:avLst/>
+          </a:prstGeom>
+          <a:noFill/>
+          <a:ln w="0">
+            <a:noFill/>
+          </a:ln>
+        </p:spPr>
+        <p:txBody>
+          <a:bodyPr lIns="90000" rIns="90000" tIns="45000" bIns="45000" anchor="t">
+            <a:noAutofit/>
+          </a:bodyPr>
+          <a:p>
+            <a:r>
+              <a:rPr b="0" lang="en-US" sz="1800" spc="-1" strike="noStrike">
+                <a:solidFill>
+                  <a:srgbClr val="000000"/>
+                </a:solidFill>
+                <a:latin typeface="Arial"/>
+              </a:rPr>
+              <a:t>https://docs.python.org/3/library/logging.html</a:t>
+            </a:r>
+            <a:endParaRPr b="0" lang="en-US" sz="1800" spc="-1" strike="noStrike">
               <a:solidFill>
                 <a:srgbClr val="000000"/>
               </a:solidFill>
@@ -7157,7 +7290,7 @@
       </p:grpSpPr>
       <p:pic>
         <p:nvPicPr>
-          <p:cNvPr id="95" name="" descr=""/>
+          <p:cNvPr id="96" name="" descr=""/>
           <p:cNvPicPr/>
           <p:nvPr/>
         </p:nvPicPr>
@@ -7168,7 +7301,7 @@
         <p:spPr>
           <a:xfrm>
             <a:off x="2301480" y="2695320"/>
-            <a:ext cx="7756560" cy="3561120"/>
+            <a:ext cx="7756200" cy="3560760"/>
           </a:xfrm>
           <a:prstGeom prst="rect">
             <a:avLst/>

--- a/8. Logging & Debugging/Logging & Debugging.pptx
+++ b/8. Logging & Debugging/Logging & Debugging.pptx
@@ -10,6 +10,7 @@
     <p:sldId id="257" r:id="rId5"/>
     <p:sldId id="258" r:id="rId6"/>
     <p:sldId id="259" r:id="rId7"/>
+    <p:sldId id="260" r:id="rId8"/>
   </p:sldIdLst>
   <p:sldSz cx="12192000" cy="6858000"/>
   <p:notesSz cx="7772400" cy="10058400"/>
@@ -67,7 +68,7 @@
         <p:txBody>
           <a:bodyPr/>
           <a:p>
-            <a:fld id="{30F574F7-7FA1-4CE9-B885-D0E6B7989CCD}" type="slidenum">
+            <a:fld id="{AA689C39-511C-4E73-91C4-3FC7BAB5BA59}" type="slidenum">
               <a:t>&lt;#&gt;</a:t>
             </a:fld>
           </a:p>
@@ -276,7 +277,7 @@
         <p:txBody>
           <a:bodyPr/>
           <a:p>
-            <a:fld id="{475847EC-9148-4C25-A550-5AF9D1969C2D}" type="slidenum">
+            <a:fld id="{D9B7DDB2-B4DB-4FEF-BC1B-74B4A2887935}" type="slidenum">
               <a:t>&lt;#&gt;</a:t>
             </a:fld>
           </a:p>
@@ -571,7 +572,7 @@
         <p:txBody>
           <a:bodyPr/>
           <a:p>
-            <a:fld id="{539C7422-BF05-4307-ACFB-D9DCF46574A7}" type="slidenum">
+            <a:fld id="{B3A36562-FAB5-4A11-9085-BF5BC8F6EE9D}" type="slidenum">
               <a:t>&lt;#&gt;</a:t>
             </a:fld>
           </a:p>
@@ -952,7 +953,7 @@
         <p:txBody>
           <a:bodyPr/>
           <a:p>
-            <a:fld id="{36276B62-96F7-4BC9-A7E8-DC83674DF65D}" type="slidenum">
+            <a:fld id="{A8BF4138-2550-4256-8B8F-0BF58296A884}" type="slidenum">
               <a:t>&lt;#&gt;</a:t>
             </a:fld>
           </a:p>
@@ -1035,7 +1036,7 @@
         <p:txBody>
           <a:bodyPr/>
           <a:p>
-            <a:fld id="{99860370-5981-4F07-AF78-67FF9A6C8846}" type="slidenum">
+            <a:fld id="{2B88F24A-62CC-4223-8AA8-A230DD5B0D4A}" type="slidenum">
               <a:t>&lt;#&gt;</a:t>
             </a:fld>
           </a:p>
@@ -1198,7 +1199,7 @@
         <p:txBody>
           <a:bodyPr/>
           <a:p>
-            <a:fld id="{E6EBA630-CF71-4C61-BEE7-EC4A83BC0BA1}" type="slidenum">
+            <a:fld id="{A04E50C4-D625-46FF-97F0-8A6F58CC41D6}" type="slidenum">
               <a:t>&lt;#&gt;</a:t>
             </a:fld>
           </a:p>
@@ -1364,7 +1365,7 @@
         <p:txBody>
           <a:bodyPr/>
           <a:p>
-            <a:fld id="{35307EB9-9FF0-4360-8A94-24A4AC21731C}" type="slidenum">
+            <a:fld id="{C3724C94-4723-4431-9920-AC2B6947A9F2}" type="slidenum">
               <a:t>&lt;#&gt;</a:t>
             </a:fld>
           </a:p>
@@ -1573,7 +1574,7 @@
         <p:txBody>
           <a:bodyPr/>
           <a:p>
-            <a:fld id="{00286A20-6341-4EAE-AE11-08BDB926F83B}" type="slidenum">
+            <a:fld id="{E3686D83-0313-457C-A46D-DB711D8CC392}" type="slidenum">
               <a:t>&lt;#&gt;</a:t>
             </a:fld>
           </a:p>
@@ -1696,7 +1697,7 @@
         <p:txBody>
           <a:bodyPr/>
           <a:p>
-            <a:fld id="{E4D71026-C84C-4D3B-A14D-2593AD7FB197}" type="slidenum">
+            <a:fld id="{88E41561-08A6-40CF-84D2-B8331A8CB4D1}" type="slidenum">
               <a:t>&lt;#&gt;</a:t>
             </a:fld>
           </a:p>
@@ -1817,7 +1818,7 @@
         <p:txBody>
           <a:bodyPr/>
           <a:p>
-            <a:fld id="{E93174E9-E5A5-4092-B0EE-396B7258497A}" type="slidenum">
+            <a:fld id="{DE552919-7746-4398-BB45-178B3F6EB564}" type="slidenum">
               <a:t>&lt;#&gt;</a:t>
             </a:fld>
           </a:p>
@@ -2069,7 +2070,7 @@
         <p:txBody>
           <a:bodyPr/>
           <a:p>
-            <a:fld id="{39EDC00D-5DAE-4F7A-BC2B-A377B7E163CE}" type="slidenum">
+            <a:fld id="{B2343970-8AF5-4FE0-9358-36B5B18931A9}" type="slidenum">
               <a:t>&lt;#&gt;</a:t>
             </a:fld>
           </a:p>
@@ -2232,7 +2233,7 @@
         <p:txBody>
           <a:bodyPr/>
           <a:p>
-            <a:fld id="{AD92C4E6-2FAA-41DE-B3CE-9227F2455507}" type="slidenum">
+            <a:fld id="{FBD8075A-A4FD-49EC-B4D7-594C088B284A}" type="slidenum">
               <a:t>&lt;#&gt;</a:t>
             </a:fld>
           </a:p>
@@ -2484,7 +2485,7 @@
         <p:txBody>
           <a:bodyPr/>
           <a:p>
-            <a:fld id="{47F25E48-5A28-4845-8E60-73FAD5D68D7C}" type="slidenum">
+            <a:fld id="{6CD8FCA3-03BE-4824-872E-B7DE4377C6BB}" type="slidenum">
               <a:t>&lt;#&gt;</a:t>
             </a:fld>
           </a:p>
@@ -2736,7 +2737,7 @@
         <p:txBody>
           <a:bodyPr/>
           <a:p>
-            <a:fld id="{9111B763-31AF-476D-AC3C-4DCB94BC6A4D}" type="slidenum">
+            <a:fld id="{05CF2FFC-7131-4A90-B480-7268F3DF6230}" type="slidenum">
               <a:t>&lt;#&gt;</a:t>
             </a:fld>
           </a:p>
@@ -2945,7 +2946,7 @@
         <p:txBody>
           <a:bodyPr/>
           <a:p>
-            <a:fld id="{8A05A860-CE9F-4FBE-BA9D-02C559DB9A74}" type="slidenum">
+            <a:fld id="{43960B85-A21D-41B3-BB18-51A9887882A5}" type="slidenum">
               <a:t>&lt;#&gt;</a:t>
             </a:fld>
           </a:p>
@@ -3240,7 +3241,7 @@
         <p:txBody>
           <a:bodyPr/>
           <a:p>
-            <a:fld id="{FB49FED5-2DDC-4031-92B9-E5D308327E82}" type="slidenum">
+            <a:fld id="{16EE67FE-8A00-4E08-BC58-EFF41C0FB11E}" type="slidenum">
               <a:t>&lt;#&gt;</a:t>
             </a:fld>
           </a:p>
@@ -3621,7 +3622,7 @@
         <p:txBody>
           <a:bodyPr/>
           <a:p>
-            <a:fld id="{11C4D618-1E1B-471E-A50A-4C60A510F49B}" type="slidenum">
+            <a:fld id="{3AFBE1A0-D6C0-4C40-9822-E2104698C01E}" type="slidenum">
               <a:t>&lt;#&gt;</a:t>
             </a:fld>
           </a:p>
@@ -3787,7 +3788,7 @@
         <p:txBody>
           <a:bodyPr/>
           <a:p>
-            <a:fld id="{67B66228-73F7-4C68-A2AC-D9CD66699C0A}" type="slidenum">
+            <a:fld id="{00D727F5-76C1-48C9-972B-81C33E233219}" type="slidenum">
               <a:t>&lt;#&gt;</a:t>
             </a:fld>
           </a:p>
@@ -3996,7 +3997,7 @@
         <p:txBody>
           <a:bodyPr/>
           <a:p>
-            <a:fld id="{CDD80353-2238-4587-B2C5-36E01A017D93}" type="slidenum">
+            <a:fld id="{B3D70B39-C26D-41AA-8473-AE9C9B0AAA43}" type="slidenum">
               <a:t>&lt;#&gt;</a:t>
             </a:fld>
           </a:p>
@@ -4119,7 +4120,7 @@
         <p:txBody>
           <a:bodyPr/>
           <a:p>
-            <a:fld id="{EAE7173C-A1EE-4D11-B934-36C40B264B8A}" type="slidenum">
+            <a:fld id="{5ED9BFF7-2965-4AB3-BA88-89D1B2045F50}" type="slidenum">
               <a:t>&lt;#&gt;</a:t>
             </a:fld>
           </a:p>
@@ -4240,7 +4241,7 @@
         <p:txBody>
           <a:bodyPr/>
           <a:p>
-            <a:fld id="{57797D66-3CB2-4F1B-A1F1-63340A8036EA}" type="slidenum">
+            <a:fld id="{5566ABBB-A195-47AE-807D-AF618C4B7E4D}" type="slidenum">
               <a:t>&lt;#&gt;</a:t>
             </a:fld>
           </a:p>
@@ -4492,7 +4493,7 @@
         <p:txBody>
           <a:bodyPr/>
           <a:p>
-            <a:fld id="{019779C0-8543-406F-828D-5375A277ACBF}" type="slidenum">
+            <a:fld id="{39633C66-A2C6-40C3-A56C-FE7BA6CBF286}" type="slidenum">
               <a:t>&lt;#&gt;</a:t>
             </a:fld>
           </a:p>
@@ -4744,7 +4745,7 @@
         <p:txBody>
           <a:bodyPr/>
           <a:p>
-            <a:fld id="{5FD9E61B-7CE1-4C63-989F-8FB2BCA9D57E}" type="slidenum">
+            <a:fld id="{E120990C-5417-4E81-9E7A-A188ABC2CDCF}" type="slidenum">
               <a:t>&lt;#&gt;</a:t>
             </a:fld>
           </a:p>
@@ -4996,7 +4997,7 @@
         <p:txBody>
           <a:bodyPr/>
           <a:p>
-            <a:fld id="{C618DE32-90F4-4F8F-A434-CD1088D29925}" type="slidenum">
+            <a:fld id="{40485E4E-3335-4E93-85FA-FE80EBB64EFF}" type="slidenum">
               <a:t>&lt;#&gt;</a:t>
             </a:fld>
           </a:p>
@@ -5061,7 +5062,7 @@
         <p:spPr>
           <a:xfrm>
             <a:off x="446400" y="457200"/>
-            <a:ext cx="3699000" cy="90720"/>
+            <a:ext cx="3698640" cy="90360"/>
           </a:xfrm>
           <a:prstGeom prst="rect">
             <a:avLst/>
@@ -5093,7 +5094,7 @@
           <a:fontRef idx="minor"/>
         </p:style>
         <p:txBody>
-          <a:bodyPr lIns="90000" rIns="90000" tIns="91440" bIns="91440" anchor="t">
+          <a:bodyPr lIns="90000" rIns="90000" tIns="90720" bIns="90720" anchor="t">
             <a:noAutofit/>
           </a:bodyPr>
           <a:p>
@@ -5121,7 +5122,7 @@
         <p:spPr>
           <a:xfrm>
             <a:off x="8042040" y="453600"/>
-            <a:ext cx="3699000" cy="94320"/>
+            <a:ext cx="3698640" cy="93960"/>
           </a:xfrm>
           <a:prstGeom prst="rect">
             <a:avLst/>
@@ -5153,7 +5154,7 @@
           <a:fontRef idx="minor"/>
         </p:style>
         <p:txBody>
-          <a:bodyPr lIns="90000" rIns="90000" tIns="95040" bIns="95040" anchor="t">
+          <a:bodyPr lIns="90000" rIns="90000" tIns="94320" bIns="94320" anchor="t">
             <a:noAutofit/>
           </a:bodyPr>
           <a:p>
@@ -5181,7 +5182,7 @@
         <p:spPr>
           <a:xfrm>
             <a:off x="4241880" y="457200"/>
-            <a:ext cx="3699000" cy="87120"/>
+            <a:ext cx="3698640" cy="86760"/>
           </a:xfrm>
           <a:prstGeom prst="rect">
             <a:avLst/>
@@ -5213,7 +5214,7 @@
           <a:fontRef idx="minor"/>
         </p:style>
         <p:txBody>
-          <a:bodyPr lIns="90000" rIns="90000" tIns="87840" bIns="87840" anchor="t">
+          <a:bodyPr lIns="90000" rIns="90000" tIns="87120" bIns="87120" anchor="t">
             <a:noAutofit/>
           </a:bodyPr>
           <a:p>
@@ -5241,7 +5242,7 @@
         <p:spPr>
           <a:xfrm>
             <a:off x="446400" y="3085920"/>
-            <a:ext cx="11258640" cy="3300480"/>
+            <a:ext cx="11258280" cy="3300120"/>
           </a:xfrm>
           <a:prstGeom prst="rect">
             <a:avLst/>
@@ -5305,7 +5306,7 @@
         <p:spPr>
           <a:xfrm>
             <a:off x="581040" y="5951880"/>
-            <a:ext cx="6912720" cy="360720"/>
+            <a:ext cx="6912360" cy="360360"/>
           </a:xfrm>
           <a:prstGeom prst="rect">
             <a:avLst/>
@@ -5377,7 +5378,7 @@
         <p:spPr>
           <a:xfrm>
             <a:off x="10558440" y="5956200"/>
-            <a:ext cx="1011960" cy="360720"/>
+            <a:ext cx="1011600" cy="360360"/>
           </a:xfrm>
           <a:prstGeom prst="rect">
             <a:avLst/>
@@ -5421,7 +5422,7 @@
                 <a:tab algn="l" pos="0"/>
               </a:tabLst>
             </a:pPr>
-            <a:fld id="{C6AAE6CA-C394-484B-AAD1-A2F9485A52E1}" type="slidenum">
+            <a:fld id="{A4FB2AD1-153F-4CE8-83AB-3ADE7074B5BA}" type="slidenum">
               <a:rPr b="0" lang="en-IN" sz="900" spc="-1" strike="noStrike">
                 <a:solidFill>
                   <a:schemeClr val="accent1">
@@ -5455,7 +5456,7 @@
         <p:spPr>
           <a:xfrm>
             <a:off x="7606080" y="5956200"/>
-            <a:ext cx="2840400" cy="360720"/>
+            <a:ext cx="2840040" cy="360360"/>
           </a:xfrm>
           <a:prstGeom prst="rect">
             <a:avLst/>
@@ -5829,7 +5830,7 @@
         <p:spPr>
           <a:xfrm>
             <a:off x="446400" y="457200"/>
-            <a:ext cx="3699000" cy="90720"/>
+            <a:ext cx="3698640" cy="90360"/>
           </a:xfrm>
           <a:prstGeom prst="rect">
             <a:avLst/>
@@ -5861,7 +5862,7 @@
           <a:fontRef idx="minor"/>
         </p:style>
         <p:txBody>
-          <a:bodyPr lIns="90000" rIns="90000" tIns="91440" bIns="91440" anchor="t">
+          <a:bodyPr lIns="90000" rIns="90000" tIns="90720" bIns="90720" anchor="t">
             <a:noAutofit/>
           </a:bodyPr>
           <a:p>
@@ -5889,7 +5890,7 @@
         <p:spPr>
           <a:xfrm>
             <a:off x="8042040" y="453600"/>
-            <a:ext cx="3699000" cy="94320"/>
+            <a:ext cx="3698640" cy="93960"/>
           </a:xfrm>
           <a:prstGeom prst="rect">
             <a:avLst/>
@@ -5921,7 +5922,7 @@
           <a:fontRef idx="minor"/>
         </p:style>
         <p:txBody>
-          <a:bodyPr lIns="90000" rIns="90000" tIns="95040" bIns="95040" anchor="t">
+          <a:bodyPr lIns="90000" rIns="90000" tIns="94320" bIns="94320" anchor="t">
             <a:noAutofit/>
           </a:bodyPr>
           <a:p>
@@ -5949,7 +5950,7 @@
         <p:spPr>
           <a:xfrm>
             <a:off x="4241880" y="457200"/>
-            <a:ext cx="3699000" cy="87120"/>
+            <a:ext cx="3698640" cy="86760"/>
           </a:xfrm>
           <a:prstGeom prst="rect">
             <a:avLst/>
@@ -5981,7 +5982,7 @@
           <a:fontRef idx="minor"/>
         </p:style>
         <p:txBody>
-          <a:bodyPr lIns="90000" rIns="90000" tIns="87840" bIns="87840" anchor="t">
+          <a:bodyPr lIns="90000" rIns="90000" tIns="87120" bIns="87120" anchor="t">
             <a:noAutofit/>
           </a:bodyPr>
           <a:p>
@@ -6009,7 +6010,7 @@
         <p:spPr>
           <a:xfrm>
             <a:off x="440280" y="614520"/>
-            <a:ext cx="11305080" cy="1185120"/>
+            <a:ext cx="11304720" cy="1184760"/>
           </a:xfrm>
           <a:prstGeom prst="rect">
             <a:avLst/>
@@ -6073,7 +6074,7 @@
         <p:spPr>
           <a:xfrm>
             <a:off x="581040" y="5951880"/>
-            <a:ext cx="6912720" cy="360720"/>
+            <a:ext cx="6912360" cy="360360"/>
           </a:xfrm>
           <a:prstGeom prst="rect">
             <a:avLst/>
@@ -6145,7 +6146,7 @@
         <p:spPr>
           <a:xfrm>
             <a:off x="10558440" y="5956200"/>
-            <a:ext cx="1048320" cy="360720"/>
+            <a:ext cx="1047960" cy="360360"/>
           </a:xfrm>
           <a:prstGeom prst="rect">
             <a:avLst/>
@@ -6186,7 +6187,7 @@
                 <a:tab algn="l" pos="0"/>
               </a:tabLst>
             </a:pPr>
-            <a:fld id="{256FB9F4-226E-4B3D-B59C-4BC9963C02CC}" type="slidenum">
+            <a:fld id="{166D5727-7D79-4002-8096-C37A8A6BE50D}" type="slidenum">
               <a:rPr b="0" lang="en-IN" sz="900" spc="-1" strike="noStrike">
                 <a:solidFill>
                   <a:schemeClr val="accent2"/>
@@ -6217,7 +6218,7 @@
         <p:spPr>
           <a:xfrm>
             <a:off x="7606080" y="5956200"/>
-            <a:ext cx="2840400" cy="360720"/>
+            <a:ext cx="2840040" cy="360360"/>
           </a:xfrm>
           <a:prstGeom prst="rect">
             <a:avLst/>
@@ -6588,7 +6589,7 @@
         <p:spPr>
           <a:xfrm>
             <a:off x="581040" y="525240"/>
-            <a:ext cx="10989360" cy="1470600"/>
+            <a:ext cx="10989000" cy="1470240"/>
           </a:xfrm>
           <a:prstGeom prst="rect">
             <a:avLst/>
@@ -6643,7 +6644,7 @@
         <p:spPr>
           <a:xfrm>
             <a:off x="581040" y="2495520"/>
-            <a:ext cx="10989360" cy="586080"/>
+            <a:ext cx="10989000" cy="585720"/>
           </a:xfrm>
           <a:prstGeom prst="rect">
             <a:avLst/>
@@ -6730,7 +6731,7 @@
         <p:spPr>
           <a:xfrm>
             <a:off x="581400" y="702360"/>
-            <a:ext cx="11025360" cy="1009440"/>
+            <a:ext cx="11025000" cy="1009080"/>
           </a:xfrm>
           <a:prstGeom prst="rect">
             <a:avLst/>
@@ -6787,7 +6788,7 @@
         <p:spPr>
           <a:xfrm>
             <a:off x="685800" y="1958760"/>
-            <a:ext cx="10627560" cy="4441680"/>
+            <a:ext cx="10627200" cy="4441320"/>
           </a:xfrm>
           <a:prstGeom prst="rect">
             <a:avLst/>
@@ -6819,6 +6820,7 @@
                   <a:srgbClr val="000000"/>
                 </a:solidFill>
                 <a:latin typeface="Arial"/>
+                <a:ea typeface="DejaVu Sans"/>
               </a:rPr>
               <a:t>Log - Critical path of system documentation about runtime status of application</a:t>
             </a:r>
@@ -6854,6 +6856,7 @@
                   <a:srgbClr val="000000"/>
                 </a:solidFill>
                 <a:latin typeface="Arial"/>
+                <a:ea typeface="DejaVu Sans"/>
               </a:rPr>
               <a:t>Module - Python file with .py extension</a:t>
             </a:r>
@@ -6889,6 +6892,7 @@
                   <a:srgbClr val="000000"/>
                 </a:solidFill>
                 <a:latin typeface="Arial"/>
+                <a:ea typeface="DejaVu Sans"/>
               </a:rPr>
               <a:t>Levels of building an app : Development→ Debugging → Review → Testing → Production</a:t>
             </a:r>
@@ -6924,6 +6928,7 @@
                   <a:srgbClr val="000000"/>
                 </a:solidFill>
                 <a:latin typeface="Arial"/>
+                <a:ea typeface="DejaVu Sans"/>
               </a:rPr>
               <a:t>Logging is a module that helps us to keep track and monitor the application by recording log information</a:t>
             </a:r>
@@ -6959,6 +6964,7 @@
                   <a:srgbClr val="000000"/>
                 </a:solidFill>
                 <a:latin typeface="Arial"/>
+                <a:ea typeface="DejaVu Sans"/>
               </a:rPr>
               <a:t>Levels of logging :  Debug  →  Capture Info  → Warning → Error → Critical</a:t>
             </a:r>
@@ -7007,6 +7013,7 @@
                   <a:srgbClr val="000000"/>
                 </a:solidFill>
                 <a:latin typeface="Arial"/>
+                <a:ea typeface="DejaVu Sans"/>
               </a:rPr>
               <a:t>point for different levels:</a:t>
             </a:r>
@@ -7029,6 +7036,7 @@
                   <a:srgbClr val="000000"/>
                 </a:solidFill>
                 <a:latin typeface="Arial"/>
+                <a:ea typeface="DejaVu Sans"/>
               </a:rPr>
               <a:t>DEBUG - 10</a:t>
             </a:r>
@@ -7051,6 +7059,7 @@
                   <a:srgbClr val="000000"/>
                 </a:solidFill>
                 <a:latin typeface="Arial"/>
+                <a:ea typeface="DejaVu Sans"/>
               </a:rPr>
               <a:t>INFO - 20</a:t>
             </a:r>
@@ -7073,6 +7082,7 @@
                   <a:srgbClr val="000000"/>
                 </a:solidFill>
                 <a:latin typeface="Arial"/>
+                <a:ea typeface="DejaVu Sans"/>
               </a:rPr>
               <a:t>WARNING - 30</a:t>
             </a:r>
@@ -7095,6 +7105,7 @@
                   <a:srgbClr val="000000"/>
                 </a:solidFill>
                 <a:latin typeface="Arial"/>
+                <a:ea typeface="DejaVu Sans"/>
               </a:rPr>
               <a:t>ERROR - 40</a:t>
             </a:r>
@@ -7117,6 +7128,7 @@
                   <a:srgbClr val="000000"/>
                 </a:solidFill>
                 <a:latin typeface="Arial"/>
+                <a:ea typeface="DejaVu Sans"/>
               </a:rPr>
               <a:t>CRITICAL - 50</a:t>
             </a:r>
@@ -7168,7 +7180,7 @@
         <p:spPr>
           <a:xfrm>
             <a:off x="581400" y="702360"/>
-            <a:ext cx="11025360" cy="1009440"/>
+            <a:ext cx="11025000" cy="1009080"/>
           </a:xfrm>
           <a:prstGeom prst="rect">
             <a:avLst/>
@@ -7216,30 +7228,87 @@
           </a:p>
         </p:txBody>
       </p:sp>
-      <p:sp>
-        <p:nvSpPr>
-          <p:cNvPr id="95" name=""/>
-          <p:cNvSpPr txBox="1"/>
+      <p:pic>
+        <p:nvPicPr>
+          <p:cNvPr id="95" name="" descr=""/>
+          <p:cNvPicPr/>
           <p:nvPr/>
-        </p:nvSpPr>
-        <p:spPr>
-          <a:xfrm>
-            <a:off x="3851280" y="3297960"/>
-            <a:ext cx="4658400" cy="346680"/>
-          </a:xfrm>
-          <a:prstGeom prst="rect">
-            <a:avLst/>
-          </a:prstGeom>
-          <a:noFill/>
-          <a:ln w="0">
-            <a:noFill/>
-          </a:ln>
-        </p:spPr>
+        </p:nvPicPr>
+        <p:blipFill>
+          <a:blip r:embed="rId1"/>
+          <a:stretch/>
+        </p:blipFill>
+        <p:spPr>
+          <a:xfrm>
+            <a:off x="2514600" y="2235600"/>
+            <a:ext cx="6368760" cy="1422000"/>
+          </a:xfrm>
+          <a:prstGeom prst="rect">
+            <a:avLst/>
+          </a:prstGeom>
+          <a:ln w="0">
+            <a:noFill/>
+          </a:ln>
+        </p:spPr>
+      </p:pic>
+      <p:pic>
+        <p:nvPicPr>
+          <p:cNvPr id="96" name="" descr=""/>
+          <p:cNvPicPr/>
+          <p:nvPr/>
+        </p:nvPicPr>
+        <p:blipFill>
+          <a:blip r:embed="rId2"/>
+          <a:stretch/>
+        </p:blipFill>
+        <p:spPr>
+          <a:xfrm>
+            <a:off x="2514600" y="3886200"/>
+            <a:ext cx="6318000" cy="1993680"/>
+          </a:xfrm>
+          <a:prstGeom prst="rect">
+            <a:avLst/>
+          </a:prstGeom>
+          <a:ln w="0">
+            <a:noFill/>
+          </a:ln>
+        </p:spPr>
+      </p:pic>
+      <p:sp>
+        <p:nvSpPr>
+          <p:cNvPr id="97" name=""/>
+          <p:cNvSpPr/>
+          <p:nvPr/>
+        </p:nvSpPr>
+        <p:spPr>
+          <a:xfrm>
+            <a:off x="457200" y="6172200"/>
+            <a:ext cx="11430000" cy="346320"/>
+          </a:xfrm>
+          <a:prstGeom prst="rect">
+            <a:avLst/>
+          </a:prstGeom>
+          <a:noFill/>
+          <a:ln w="0">
+            <a:noFill/>
+          </a:ln>
+        </p:spPr>
+        <p:style>
+          <a:lnRef idx="0"/>
+          <a:fillRef idx="0"/>
+          <a:effectRef idx="0"/>
+          <a:fontRef idx="minor"/>
+        </p:style>
         <p:txBody>
           <a:bodyPr lIns="90000" rIns="90000" tIns="45000" bIns="45000" anchor="t">
             <a:noAutofit/>
           </a:bodyPr>
           <a:p>
+            <a:pPr>
+              <a:lnSpc>
+                <a:spcPct val="100000"/>
+              </a:lnSpc>
+            </a:pPr>
             <a:r>
               <a:rPr b="0" lang="en-US" sz="1800" spc="-1" strike="noStrike">
                 <a:solidFill>
@@ -7247,7 +7316,7 @@
                 </a:solidFill>
                 <a:latin typeface="Arial"/>
               </a:rPr>
-              <a:t>https://docs.python.org/3/library/logging.html</a:t>
+              <a:t>Print statement will print everything, but while lgging we can do the necessary config to print things as per requirement </a:t>
             </a:r>
             <a:endParaRPr b="0" lang="en-US" sz="1800" spc="-1" strike="noStrike">
               <a:solidFill>
@@ -7288,9 +7357,149 @@
           <a:chExt cx="0" cy="0"/>
         </a:xfrm>
       </p:grpSpPr>
+      <p:sp>
+        <p:nvSpPr>
+          <p:cNvPr id="98" name="PlaceHolder 5"/>
+          <p:cNvSpPr/>
+          <p:nvPr/>
+        </p:nvSpPr>
+        <p:spPr>
+          <a:xfrm>
+            <a:off x="581400" y="702360"/>
+            <a:ext cx="11025000" cy="1009080"/>
+          </a:xfrm>
+          <a:prstGeom prst="rect">
+            <a:avLst/>
+          </a:prstGeom>
+          <a:noFill/>
+          <a:ln w="0">
+            <a:noFill/>
+          </a:ln>
+        </p:spPr>
+        <p:style>
+          <a:lnRef idx="0"/>
+          <a:fillRef idx="0"/>
+          <a:effectRef idx="0"/>
+          <a:fontRef idx="minor"/>
+        </p:style>
+        <p:txBody>
+          <a:bodyPr lIns="90000" rIns="90000" tIns="45000" bIns="45000" anchor="b">
+            <a:noAutofit/>
+          </a:bodyPr>
+          <a:p>
+            <a:pPr>
+              <a:lnSpc>
+                <a:spcPct val="100000"/>
+              </a:lnSpc>
+              <a:tabLst>
+                <a:tab algn="l" pos="0"/>
+              </a:tabLst>
+            </a:pPr>
+            <a:r>
+              <a:rPr b="0" lang="en-US" sz="2800" spc="-1" strike="noStrike" cap="all">
+                <a:solidFill>
+                  <a:srgbClr val="ffffff"/>
+                </a:solidFill>
+                <a:latin typeface="Gill Sans MT"/>
+                <a:ea typeface="DejaVu Sans"/>
+              </a:rPr>
+              <a:t>Logging link</a:t>
+            </a:r>
+            <a:endParaRPr b="0" lang="en-US" sz="2800" spc="-1" strike="noStrike">
+              <a:solidFill>
+                <a:srgbClr val="000000"/>
+              </a:solidFill>
+              <a:latin typeface="Arial"/>
+            </a:endParaRPr>
+          </a:p>
+        </p:txBody>
+      </p:sp>
+      <p:sp>
+        <p:nvSpPr>
+          <p:cNvPr id="99" name=""/>
+          <p:cNvSpPr/>
+          <p:nvPr/>
+        </p:nvSpPr>
+        <p:spPr>
+          <a:xfrm>
+            <a:off x="3851280" y="3297960"/>
+            <a:ext cx="4658040" cy="346320"/>
+          </a:xfrm>
+          <a:prstGeom prst="rect">
+            <a:avLst/>
+          </a:prstGeom>
+          <a:noFill/>
+          <a:ln w="0">
+            <a:noFill/>
+          </a:ln>
+        </p:spPr>
+        <p:style>
+          <a:lnRef idx="0"/>
+          <a:fillRef idx="0"/>
+          <a:effectRef idx="0"/>
+          <a:fontRef idx="minor"/>
+        </p:style>
+        <p:txBody>
+          <a:bodyPr lIns="90000" rIns="90000" tIns="45000" bIns="45000" anchor="t">
+            <a:noAutofit/>
+          </a:bodyPr>
+          <a:p>
+            <a:pPr>
+              <a:lnSpc>
+                <a:spcPct val="100000"/>
+              </a:lnSpc>
+            </a:pPr>
+            <a:r>
+              <a:rPr b="0" lang="en-US" sz="1800" spc="-1" strike="noStrike">
+                <a:solidFill>
+                  <a:srgbClr val="000000"/>
+                </a:solidFill>
+                <a:latin typeface="Arial"/>
+              </a:rPr>
+              <a:t>https://docs.python.org/3/library/logging.html</a:t>
+            </a:r>
+            <a:endParaRPr b="0" lang="en-US" sz="1800" spc="-1" strike="noStrike">
+              <a:solidFill>
+                <a:srgbClr val="000000"/>
+              </a:solidFill>
+              <a:latin typeface="Arial"/>
+            </a:endParaRPr>
+          </a:p>
+        </p:txBody>
+      </p:sp>
+    </p:spTree>
+  </p:cSld>
+  <mc:AlternateContent>
+    <mc:Choice Requires="p14">
+      <p:transition spd="slow" p14:dur="2000"/>
+    </mc:Choice>
+    <mc:Fallback>
+      <p:transition spd="slow"/>
+    </mc:Fallback>
+  </mc:AlternateContent>
+</p:sld>
+</file>
+
+<file path=ppt/slides/slide5.xml><?xml version="1.0" encoding="utf-8"?>
+<p:sld xmlns:a="http://schemas.openxmlformats.org/drawingml/2006/main" xmlns:p="http://schemas.openxmlformats.org/presentationml/2006/main" xmlns:r="http://schemas.openxmlformats.org/officeDocument/2006/relationships" xmlns:p14="http://schemas.microsoft.com/office/powerpoint/2010/main" xmlns:p15="http://schemas.microsoft.com/office/powerpoint/2012/main" xmlns:mc="http://schemas.openxmlformats.org/markup-compatibility/2006">
+  <p:cSld>
+    <p:spTree>
+      <p:nvGrpSpPr>
+        <p:cNvPr id="1" name=""/>
+        <p:cNvGrpSpPr/>
+        <p:nvPr/>
+      </p:nvGrpSpPr>
+      <p:grpSpPr>
+        <a:xfrm>
+          <a:off x="0" y="0"/>
+          <a:ext cx="0" cy="0"/>
+          <a:chOff x="0" y="0"/>
+          <a:chExt cx="0" cy="0"/>
+        </a:xfrm>
+      </p:grpSpPr>
       <p:pic>
         <p:nvPicPr>
-          <p:cNvPr id="96" name="" descr=""/>
+          <p:cNvPr id="100" name="" descr=""/>
           <p:cNvPicPr/>
           <p:nvPr/>
         </p:nvPicPr>
@@ -7301,7 +7510,7 @@
         <p:spPr>
           <a:xfrm>
             <a:off x="2301480" y="2695320"/>
-            <a:ext cx="7756200" cy="3560760"/>
+            <a:ext cx="7755840" cy="3560400"/>
           </a:xfrm>
           <a:prstGeom prst="rect">
             <a:avLst/>
